--- a/doc/archi.pptx
+++ b/doc/archi.pptx
@@ -105,6 +105,11 @@
       </a:defRPr>
     </a:lvl9pPr>
   </p:defaultTextStyle>
+  <p:extLst>
+    <p:ext uri="{EFAFB233-063F-42B5-8137-9DF3F51BA10A}">
+      <p15:sldGuideLst xmlns:p15="http://schemas.microsoft.com/office/powerpoint/2012/main"/>
+    </p:ext>
+  </p:extLst>
 </p:presentation>
 </file>
 
@@ -255,7 +260,7 @@
           <a:p>
             <a:fld id="{CB1ED9EB-8D45-4691-A012-884337619CD3}" type="datetimeFigureOut">
               <a:rPr lang="zh-CN" altLang="en-US" smtClean="0"/>
-              <a:t>2018/5/4</a:t>
+              <a:t>2018/5/30</a:t>
             </a:fld>
             <a:endParaRPr lang="zh-CN" altLang="en-US"/>
           </a:p>
@@ -453,7 +458,7 @@
           <a:p>
             <a:fld id="{CB1ED9EB-8D45-4691-A012-884337619CD3}" type="datetimeFigureOut">
               <a:rPr lang="zh-CN" altLang="en-US" smtClean="0"/>
-              <a:t>2018/5/4</a:t>
+              <a:t>2018/5/30</a:t>
             </a:fld>
             <a:endParaRPr lang="zh-CN" altLang="en-US"/>
           </a:p>
@@ -661,7 +666,7 @@
           <a:p>
             <a:fld id="{CB1ED9EB-8D45-4691-A012-884337619CD3}" type="datetimeFigureOut">
               <a:rPr lang="zh-CN" altLang="en-US" smtClean="0"/>
-              <a:t>2018/5/4</a:t>
+              <a:t>2018/5/30</a:t>
             </a:fld>
             <a:endParaRPr lang="zh-CN" altLang="en-US"/>
           </a:p>
@@ -859,7 +864,7 @@
           <a:p>
             <a:fld id="{CB1ED9EB-8D45-4691-A012-884337619CD3}" type="datetimeFigureOut">
               <a:rPr lang="zh-CN" altLang="en-US" smtClean="0"/>
-              <a:t>2018/5/4</a:t>
+              <a:t>2018/5/30</a:t>
             </a:fld>
             <a:endParaRPr lang="zh-CN" altLang="en-US"/>
           </a:p>
@@ -1134,7 +1139,7 @@
           <a:p>
             <a:fld id="{CB1ED9EB-8D45-4691-A012-884337619CD3}" type="datetimeFigureOut">
               <a:rPr lang="zh-CN" altLang="en-US" smtClean="0"/>
-              <a:t>2018/5/4</a:t>
+              <a:t>2018/5/30</a:t>
             </a:fld>
             <a:endParaRPr lang="zh-CN" altLang="en-US"/>
           </a:p>
@@ -1399,7 +1404,7 @@
           <a:p>
             <a:fld id="{CB1ED9EB-8D45-4691-A012-884337619CD3}" type="datetimeFigureOut">
               <a:rPr lang="zh-CN" altLang="en-US" smtClean="0"/>
-              <a:t>2018/5/4</a:t>
+              <a:t>2018/5/30</a:t>
             </a:fld>
             <a:endParaRPr lang="zh-CN" altLang="en-US"/>
           </a:p>
@@ -1811,7 +1816,7 @@
           <a:p>
             <a:fld id="{CB1ED9EB-8D45-4691-A012-884337619CD3}" type="datetimeFigureOut">
               <a:rPr lang="zh-CN" altLang="en-US" smtClean="0"/>
-              <a:t>2018/5/4</a:t>
+              <a:t>2018/5/30</a:t>
             </a:fld>
             <a:endParaRPr lang="zh-CN" altLang="en-US"/>
           </a:p>
@@ -1952,7 +1957,7 @@
           <a:p>
             <a:fld id="{CB1ED9EB-8D45-4691-A012-884337619CD3}" type="datetimeFigureOut">
               <a:rPr lang="zh-CN" altLang="en-US" smtClean="0"/>
-              <a:t>2018/5/4</a:t>
+              <a:t>2018/5/30</a:t>
             </a:fld>
             <a:endParaRPr lang="zh-CN" altLang="en-US"/>
           </a:p>
@@ -2065,7 +2070,7 @@
           <a:p>
             <a:fld id="{CB1ED9EB-8D45-4691-A012-884337619CD3}" type="datetimeFigureOut">
               <a:rPr lang="zh-CN" altLang="en-US" smtClean="0"/>
-              <a:t>2018/5/4</a:t>
+              <a:t>2018/5/30</a:t>
             </a:fld>
             <a:endParaRPr lang="zh-CN" altLang="en-US"/>
           </a:p>
@@ -2376,7 +2381,7 @@
           <a:p>
             <a:fld id="{CB1ED9EB-8D45-4691-A012-884337619CD3}" type="datetimeFigureOut">
               <a:rPr lang="zh-CN" altLang="en-US" smtClean="0"/>
-              <a:t>2018/5/4</a:t>
+              <a:t>2018/5/30</a:t>
             </a:fld>
             <a:endParaRPr lang="zh-CN" altLang="en-US"/>
           </a:p>
@@ -2664,7 +2669,7 @@
           <a:p>
             <a:fld id="{CB1ED9EB-8D45-4691-A012-884337619CD3}" type="datetimeFigureOut">
               <a:rPr lang="zh-CN" altLang="en-US" smtClean="0"/>
-              <a:t>2018/5/4</a:t>
+              <a:t>2018/5/30</a:t>
             </a:fld>
             <a:endParaRPr lang="zh-CN" altLang="en-US"/>
           </a:p>
@@ -2905,7 +2910,7 @@
           <a:p>
             <a:fld id="{CB1ED9EB-8D45-4691-A012-884337619CD3}" type="datetimeFigureOut">
               <a:rPr lang="zh-CN" altLang="en-US" smtClean="0"/>
-              <a:t>2018/5/4</a:t>
+              <a:t>2018/5/30</a:t>
             </a:fld>
             <a:endParaRPr lang="zh-CN" altLang="en-US"/>
           </a:p>
@@ -3429,28 +3434,12 @@
           <a:p>
             <a:pPr algn="ctr"/>
             <a:r>
-              <a:rPr lang="en-US" altLang="zh-CN" dirty="0">
+              <a:rPr lang="en-US" altLang="zh-CN" dirty="0" smtClean="0">
                 <a:solidFill>
                   <a:schemeClr val="tx1"/>
                 </a:solidFill>
               </a:rPr>
-              <a:t>Driver(</a:t>
-            </a:r>
-            <a:r>
-              <a:rPr lang="en-US" altLang="zh-CN" dirty="0" err="1">
-                <a:solidFill>
-                  <a:schemeClr val="tx1"/>
-                </a:solidFill>
-              </a:rPr>
-              <a:t>scala</a:t>
-            </a:r>
-            <a:r>
-              <a:rPr lang="en-US" altLang="zh-CN" dirty="0">
-                <a:solidFill>
-                  <a:schemeClr val="tx1"/>
-                </a:solidFill>
-              </a:rPr>
-              <a:t>)</a:t>
+              <a:t>Driver</a:t>
             </a:r>
             <a:endParaRPr lang="zh-CN" altLang="en-US" dirty="0">
               <a:solidFill>
@@ -3572,7 +3561,15 @@
                   <a:schemeClr val="tx1"/>
                 </a:solidFill>
               </a:rPr>
-              <a:t>PCIE-DMA driver(c)</a:t>
+              <a:t>PCIE-DMA </a:t>
+            </a:r>
+            <a:r>
+              <a:rPr lang="en-US" altLang="zh-CN" dirty="0" smtClean="0">
+                <a:solidFill>
+                  <a:schemeClr val="tx1"/>
+                </a:solidFill>
+              </a:rPr>
+              <a:t>driver</a:t>
             </a:r>
             <a:endParaRPr lang="zh-CN" altLang="en-US" dirty="0">
               <a:solidFill>
@@ -3845,7 +3842,7 @@
         </p:nvSpPr>
         <p:spPr>
           <a:xfrm>
-            <a:off x="5122418" y="3717071"/>
+            <a:off x="53259" y="3712633"/>
             <a:ext cx="1534362" cy="369332"/>
           </a:xfrm>
           <a:prstGeom prst="rect">
@@ -3862,6 +3859,230 @@
             <a:r>
               <a:rPr lang="en-US" altLang="zh-CN" dirty="0"/>
               <a:t>HARDWARE</a:t>
+            </a:r>
+            <a:endParaRPr lang="zh-CN" altLang="en-US" dirty="0"/>
+          </a:p>
+        </p:txBody>
+      </p:sp>
+      <p:sp>
+        <p:nvSpPr>
+          <p:cNvPr id="14" name="左大括号 13">
+            <a:extLst>
+              <a:ext uri="{FF2B5EF4-FFF2-40B4-BE49-F238E27FC236}">
+                <a16:creationId xmlns:a16="http://schemas.microsoft.com/office/drawing/2014/main" id="{EE31A5A1-192C-446F-BFE6-5F1D28ED79EE}"/>
+              </a:ext>
+            </a:extLst>
+          </p:cNvPr>
+          <p:cNvSpPr/>
+          <p:nvPr/>
+        </p:nvSpPr>
+        <p:spPr>
+          <a:xfrm rot="10800000">
+            <a:off x="4643021" y="2148396"/>
+            <a:ext cx="248575" cy="923278"/>
+          </a:xfrm>
+          <a:prstGeom prst="leftBrace">
+            <a:avLst/>
+          </a:prstGeom>
+        </p:spPr>
+        <p:style>
+          <a:lnRef idx="1">
+            <a:schemeClr val="accent1"/>
+          </a:lnRef>
+          <a:fillRef idx="0">
+            <a:schemeClr val="accent1"/>
+          </a:fillRef>
+          <a:effectRef idx="0">
+            <a:schemeClr val="accent1"/>
+          </a:effectRef>
+          <a:fontRef idx="minor">
+            <a:schemeClr val="tx1"/>
+          </a:fontRef>
+        </p:style>
+        <p:txBody>
+          <a:bodyPr rtlCol="0" anchor="ctr"/>
+          <a:lstStyle/>
+          <a:p>
+            <a:pPr algn="ctr"/>
+            <a:endParaRPr lang="zh-CN" altLang="en-US"/>
+          </a:p>
+        </p:txBody>
+      </p:sp>
+      <p:sp>
+        <p:nvSpPr>
+          <p:cNvPr id="17" name="文本框 16">
+            <a:extLst>
+              <a:ext uri="{FF2B5EF4-FFF2-40B4-BE49-F238E27FC236}">
+                <a16:creationId xmlns:a16="http://schemas.microsoft.com/office/drawing/2014/main" id="{04BBC846-40E0-485C-947F-6A51509CA2D0}"/>
+              </a:ext>
+            </a:extLst>
+          </p:cNvPr>
+          <p:cNvSpPr txBox="1"/>
+          <p:nvPr/>
+        </p:nvSpPr>
+        <p:spPr>
+          <a:xfrm>
+            <a:off x="5274818" y="3275861"/>
+            <a:ext cx="1242874" cy="369332"/>
+          </a:xfrm>
+          <a:prstGeom prst="rect">
+            <a:avLst/>
+          </a:prstGeom>
+          <a:noFill/>
+        </p:spPr>
+        <p:txBody>
+          <a:bodyPr wrap="square" rtlCol="0">
+            <a:spAutoFit/>
+          </a:bodyPr>
+          <a:lstStyle/>
+          <a:p>
+            <a:r>
+              <a:rPr lang="en-US" altLang="zh-CN" dirty="0"/>
+              <a:t>C</a:t>
+            </a:r>
+            <a:endParaRPr lang="zh-CN" altLang="en-US" dirty="0"/>
+          </a:p>
+        </p:txBody>
+      </p:sp>
+      <p:cxnSp>
+        <p:nvCxnSpPr>
+          <p:cNvPr id="20" name="直接连接符 19">
+            <a:extLst>
+              <a:ext uri="{FF2B5EF4-FFF2-40B4-BE49-F238E27FC236}">
+                <a16:creationId xmlns:a16="http://schemas.microsoft.com/office/drawing/2014/main" id="{69E6B16F-3D62-4C35-8E95-952555010FEA}"/>
+              </a:ext>
+            </a:extLst>
+          </p:cNvPr>
+          <p:cNvCxnSpPr/>
+          <p:nvPr/>
+        </p:nvCxnSpPr>
+        <p:spPr>
+          <a:xfrm flipH="1">
+            <a:off x="4354493" y="3484486"/>
+            <a:ext cx="648070" cy="0"/>
+          </a:xfrm>
+          <a:prstGeom prst="line">
+            <a:avLst/>
+          </a:prstGeom>
+        </p:spPr>
+        <p:style>
+          <a:lnRef idx="1">
+            <a:schemeClr val="accent1"/>
+          </a:lnRef>
+          <a:fillRef idx="0">
+            <a:schemeClr val="accent1"/>
+          </a:fillRef>
+          <a:effectRef idx="0">
+            <a:schemeClr val="accent1"/>
+          </a:effectRef>
+          <a:fontRef idx="minor">
+            <a:schemeClr val="tx1"/>
+          </a:fontRef>
+        </p:style>
+      </p:cxnSp>
+      <p:sp>
+        <p:nvSpPr>
+          <p:cNvPr id="21" name="文本框 20">
+            <a:extLst>
+              <a:ext uri="{FF2B5EF4-FFF2-40B4-BE49-F238E27FC236}">
+                <a16:creationId xmlns:a16="http://schemas.microsoft.com/office/drawing/2014/main" id="{04BBC846-40E0-485C-947F-6A51509CA2D0}"/>
+              </a:ext>
+            </a:extLst>
+          </p:cNvPr>
+          <p:cNvSpPr txBox="1"/>
+          <p:nvPr/>
+        </p:nvSpPr>
+        <p:spPr>
+          <a:xfrm>
+            <a:off x="5268162" y="2441359"/>
+            <a:ext cx="1242874" cy="369332"/>
+          </a:xfrm>
+          <a:prstGeom prst="rect">
+            <a:avLst/>
+          </a:prstGeom>
+          <a:noFill/>
+        </p:spPr>
+        <p:txBody>
+          <a:bodyPr wrap="square" rtlCol="0">
+            <a:spAutoFit/>
+          </a:bodyPr>
+          <a:lstStyle/>
+          <a:p>
+            <a:r>
+              <a:rPr lang="en-US" altLang="zh-CN" dirty="0" smtClean="0"/>
+              <a:t>Scala</a:t>
+            </a:r>
+            <a:endParaRPr lang="zh-CN" altLang="en-US" dirty="0"/>
+          </a:p>
+        </p:txBody>
+      </p:sp>
+      <p:cxnSp>
+        <p:nvCxnSpPr>
+          <p:cNvPr id="22" name="直接连接符 21">
+            <a:extLst>
+              <a:ext uri="{FF2B5EF4-FFF2-40B4-BE49-F238E27FC236}">
+                <a16:creationId xmlns:a16="http://schemas.microsoft.com/office/drawing/2014/main" id="{69E6B16F-3D62-4C35-8E95-952555010FEA}"/>
+              </a:ext>
+            </a:extLst>
+          </p:cNvPr>
+          <p:cNvCxnSpPr/>
+          <p:nvPr/>
+        </p:nvCxnSpPr>
+        <p:spPr>
+          <a:xfrm flipH="1">
+            <a:off x="1429305" y="3907656"/>
+            <a:ext cx="648070" cy="0"/>
+          </a:xfrm>
+          <a:prstGeom prst="line">
+            <a:avLst/>
+          </a:prstGeom>
+        </p:spPr>
+        <p:style>
+          <a:lnRef idx="1">
+            <a:schemeClr val="accent1"/>
+          </a:lnRef>
+          <a:fillRef idx="0">
+            <a:schemeClr val="accent1"/>
+          </a:fillRef>
+          <a:effectRef idx="0">
+            <a:schemeClr val="accent1"/>
+          </a:effectRef>
+          <a:fontRef idx="minor">
+            <a:schemeClr val="tx1"/>
+          </a:fontRef>
+        </p:style>
+      </p:cxnSp>
+      <p:sp>
+        <p:nvSpPr>
+          <p:cNvPr id="23" name="文本框 22">
+            <a:extLst>
+              <a:ext uri="{FF2B5EF4-FFF2-40B4-BE49-F238E27FC236}">
+                <a16:creationId xmlns:a16="http://schemas.microsoft.com/office/drawing/2014/main" id="{04BBC846-40E0-485C-947F-6A51509CA2D0}"/>
+              </a:ext>
+            </a:extLst>
+          </p:cNvPr>
+          <p:cNvSpPr txBox="1"/>
+          <p:nvPr/>
+        </p:nvSpPr>
+        <p:spPr>
+          <a:xfrm>
+            <a:off x="5268162" y="3734372"/>
+            <a:ext cx="1242874" cy="369332"/>
+          </a:xfrm>
+          <a:prstGeom prst="rect">
+            <a:avLst/>
+          </a:prstGeom>
+          <a:noFill/>
+        </p:spPr>
+        <p:txBody>
+          <a:bodyPr wrap="square" rtlCol="0">
+            <a:spAutoFit/>
+          </a:bodyPr>
+          <a:lstStyle/>
+          <a:p>
+            <a:r>
+              <a:rPr lang="en-US" altLang="zh-CN" dirty="0" smtClean="0"/>
+              <a:t>Verilog</a:t>
             </a:r>
             <a:endParaRPr lang="zh-CN" altLang="en-US" dirty="0"/>
           </a:p>
